--- a/Hackzon.pptx
+++ b/Hackzon.pptx
@@ -26,36 +26,36 @@
   <p:notesSz cx="6858000" cy="9144000"/>
   <p:embeddedFontLst>
     <p:embeddedFont>
-      <p:font typeface="Calibri" panose="020F0502020204030204" pitchFamily="34" charset="0"/>
-      <p:regular r:id="rId16"/>
-      <p:bold r:id="rId17"/>
-      <p:italic r:id="rId18"/>
-      <p:boldItalic r:id="rId19"/>
-    </p:embeddedFont>
-    <p:embeddedFont>
-      <p:font typeface="Raleway" pitchFamily="2" charset="0"/>
-      <p:regular r:id="rId20"/>
-      <p:bold r:id="rId21"/>
-      <p:italic r:id="rId22"/>
-      <p:boldItalic r:id="rId23"/>
-    </p:embeddedFont>
-    <p:embeddedFont>
-      <p:font typeface="Raleway Thin" pitchFamily="2" charset="0"/>
-      <p:regular r:id="rId24"/>
-      <p:bold r:id="rId25"/>
-      <p:italic r:id="rId26"/>
-      <p:boldItalic r:id="rId27"/>
+      <p:font typeface="Red Hat Display Black" panose="020B0604020202020204" charset="0"/>
+      <p:bold r:id="rId16"/>
+      <p:boldItalic r:id="rId17"/>
     </p:embeddedFont>
     <p:embeddedFont>
       <p:font typeface="Red Hat Display" panose="020B0604020202020204" charset="0"/>
-      <p:regular r:id="rId28"/>
-      <p:bold r:id="rId29"/>
-      <p:italic r:id="rId30"/>
-      <p:boldItalic r:id="rId31"/>
+      <p:regular r:id="rId18"/>
+      <p:bold r:id="rId19"/>
+      <p:italic r:id="rId20"/>
+      <p:boldItalic r:id="rId21"/>
     </p:embeddedFont>
     <p:embeddedFont>
-      <p:font typeface="Red Hat Display Black" panose="020B0604020202020204" charset="0"/>
-      <p:bold r:id="rId32"/>
+      <p:font typeface="Calibri" panose="020F0502020204030204" pitchFamily="34" charset="0"/>
+      <p:regular r:id="rId22"/>
+      <p:bold r:id="rId23"/>
+      <p:italic r:id="rId24"/>
+      <p:boldItalic r:id="rId25"/>
+    </p:embeddedFont>
+    <p:embeddedFont>
+      <p:font typeface="Raleway" panose="020B0604020202020204" charset="0"/>
+      <p:regular r:id="rId26"/>
+      <p:bold r:id="rId27"/>
+      <p:italic r:id="rId28"/>
+      <p:boldItalic r:id="rId29"/>
+    </p:embeddedFont>
+    <p:embeddedFont>
+      <p:font typeface="Raleway Thin" panose="020B0604020202020204" charset="0"/>
+      <p:regular r:id="rId30"/>
+      <p:bold r:id="rId31"/>
+      <p:italic r:id="rId32"/>
       <p:boldItalic r:id="rId33"/>
     </p:embeddedFont>
   </p:embeddedFontLst>
@@ -8085,6 +8085,13 @@
   <p:clrMapOvr>
     <a:masterClrMapping/>
   </p:clrMapOvr>
+  <p:timing>
+    <p:tnLst>
+      <p:par>
+        <p:cTn id="1" dur="indefinite" restart="never" nodeType="tmRoot"/>
+      </p:par>
+    </p:tnLst>
+  </p:timing>
 </p:sld>
 </file>
 
@@ -8254,6 +8261,14 @@
                 </a:solidFill>
               </a:rPr>
               <a:t>Node.JS</a:t>
+            </a:r>
+            <a:r>
+              <a:rPr lang="en-US" sz="1800" dirty="0">
+                <a:solidFill>
+                  <a:schemeClr val="accent1"/>
+                </a:solidFill>
+              </a:rPr>
+              <a:t/>
             </a:r>
             <a:br>
               <a:rPr lang="en-US" sz="1800" dirty="0">
@@ -10171,7 +10186,7 @@
                   <a:schemeClr val="accent1"/>
                 </a:solidFill>
               </a:rPr>
-              <a:t>S Tejas  </a:t>
+              <a:t>S </a:t>
             </a:r>
             <a:r>
               <a:rPr lang="en-US" dirty="0" err="1">
@@ -10179,7 +10194,55 @@
                   <a:schemeClr val="accent1"/>
                 </a:solidFill>
               </a:rPr>
+              <a:t>Tejas</a:t>
+            </a:r>
+            <a:r>
+              <a:rPr lang="en-US" dirty="0">
+                <a:solidFill>
+                  <a:schemeClr val="accent1"/>
+                </a:solidFill>
+              </a:rPr>
+              <a:t>  </a:t>
+            </a:r>
+            <a:r>
+              <a:rPr lang="en-US" dirty="0" err="1" smtClean="0">
+                <a:solidFill>
+                  <a:schemeClr val="accent1"/>
+                </a:solidFill>
+              </a:rPr>
               <a:t>Mondeeri</a:t>
+            </a:r>
+            <a:endParaRPr lang="en-US" dirty="0" smtClean="0">
+              <a:solidFill>
+                <a:schemeClr val="accent1"/>
+              </a:solidFill>
+            </a:endParaRPr>
+          </a:p>
+          <a:p>
+            <a:pPr lvl="0" indent="-457200" algn="l" rtl="0">
+              <a:spcBef>
+                <a:spcPts val="600"/>
+              </a:spcBef>
+              <a:spcAft>
+                <a:spcPts val="0"/>
+              </a:spcAft>
+              <a:buAutoNum type="arabicPeriod"/>
+            </a:pPr>
+            <a:r>
+              <a:rPr lang="en-US" dirty="0" err="1" smtClean="0">
+                <a:solidFill>
+                  <a:schemeClr val="accent1"/>
+                </a:solidFill>
+              </a:rPr>
+              <a:t>Immanual</a:t>
+            </a:r>
+            <a:r>
+              <a:rPr lang="en-US" smtClean="0">
+                <a:solidFill>
+                  <a:schemeClr val="accent1"/>
+                </a:solidFill>
+              </a:rPr>
+              <a:t> D</a:t>
             </a:r>
             <a:endParaRPr lang="en-US" dirty="0">
               <a:solidFill>
@@ -10306,6 +10369,13 @@
   <p:clrMapOvr>
     <a:masterClrMapping/>
   </p:clrMapOvr>
+  <p:timing>
+    <p:tnLst>
+      <p:par>
+        <p:cTn id="1" dur="indefinite" restart="never" nodeType="tmRoot"/>
+      </p:par>
+    </p:tnLst>
+  </p:timing>
 </p:sld>
 </file>
 
@@ -10436,6 +10506,15 @@
                 <a:latin typeface="Calibri" panose="020F0502020204030204" pitchFamily="34" charset="0"/>
               </a:rPr>
               <a:t>“Corruption is cancer to the present society” </a:t>
+            </a:r>
+            <a:r>
+              <a:rPr lang="en-US" sz="1800" dirty="0">
+                <a:solidFill>
+                  <a:schemeClr val="bg1"/>
+                </a:solidFill>
+                <a:latin typeface="Calibri" panose="020F0502020204030204" pitchFamily="34" charset="0"/>
+              </a:rPr>
+              <a:t/>
             </a:r>
             <a:br>
               <a:rPr lang="en-US" sz="1800" dirty="0">
@@ -14389,6 +14468,13 @@
   <p:clrMapOvr>
     <a:masterClrMapping/>
   </p:clrMapOvr>
+  <p:timing>
+    <p:tnLst>
+      <p:par>
+        <p:cTn id="1" dur="indefinite" restart="never" nodeType="tmRoot"/>
+      </p:par>
+    </p:tnLst>
+  </p:timing>
 </p:sld>
 </file>
 
@@ -15569,6 +15655,13 @@
   <p:clrMapOvr>
     <a:masterClrMapping/>
   </p:clrMapOvr>
+  <p:timing>
+    <p:tnLst>
+      <p:par>
+        <p:cTn id="1" dur="indefinite" restart="never" nodeType="tmRoot"/>
+      </p:par>
+    </p:tnLst>
+  </p:timing>
 </p:sld>
 </file>
 
@@ -15623,6 +15716,14 @@
               </a:spcAft>
               <a:buNone/>
             </a:pPr>
+            <a:r>
+              <a:rPr lang="en-US" sz="4400" dirty="0">
+                <a:solidFill>
+                  <a:schemeClr val="accent1"/>
+                </a:solidFill>
+              </a:rPr>
+              <a:t/>
+            </a:r>
             <a:br>
               <a:rPr lang="en-US" sz="4400" dirty="0">
                 <a:solidFill>
@@ -16824,6 +16925,15 @@
               <a:rPr lang="en" sz="2400" dirty="0"/>
               <a:t> </a:t>
             </a:r>
+            <a:r>
+              <a:rPr lang="en-US" sz="2400" b="0" i="0" u="none" strike="noStrike" baseline="0" dirty="0">
+                <a:solidFill>
+                  <a:srgbClr val="000000"/>
+                </a:solidFill>
+                <a:latin typeface="Times New Roman" panose="02020603050405020304" pitchFamily="18" charset="0"/>
+              </a:rPr>
+              <a:t/>
+            </a:r>
             <a:br>
               <a:rPr lang="en-US" sz="2400" b="0" i="0" u="none" strike="noStrike" baseline="0" dirty="0">
                 <a:solidFill>
@@ -16849,6 +16959,15 @@
                 <a:latin typeface="Times New Roman" panose="02020603050405020304" pitchFamily="18" charset="0"/>
               </a:rPr>
               <a:t>PROBLEM STATEMENT </a:t>
+            </a:r>
+            <a:r>
+              <a:rPr lang="en-US" sz="2400" b="0" i="0" u="none" strike="noStrike" baseline="0" dirty="0">
+                <a:solidFill>
+                  <a:srgbClr val="000000"/>
+                </a:solidFill>
+                <a:latin typeface="Times New Roman" panose="02020603050405020304" pitchFamily="18" charset="0"/>
+              </a:rPr>
+              <a:t/>
             </a:r>
             <a:br>
               <a:rPr lang="en-US" sz="2400" b="0" i="0" u="none" strike="noStrike" baseline="0" dirty="0">
